--- a/ppts/Angular/Angular66_Router.pptx
+++ b/ppts/Angular/Angular66_Router.pptx
@@ -237,7 +237,7 @@
           <a:p>
             <a:fld id="{9DAF96E9-0C4B-4E81-8D96-2A4B7C1E58CE}" type="datetimeFigureOut">
               <a:rPr lang="en-US" smtClean="0"/>
-              <a:t>11/5/20</a:t>
+              <a:t>9/8/22</a:t>
             </a:fld>
             <a:endParaRPr lang="en-US"/>
           </a:p>
@@ -9407,7 +9407,7 @@
             <a:fld id="{D68DDC2B-2B06-4692-8F64-8F19407327E9}" type="datetimeFigureOut">
               <a:rPr lang="en-US" smtClean="0"/>
               <a:pPr/>
-              <a:t>11/5/20</a:t>
+              <a:t>9/8/22</a:t>
             </a:fld>
             <a:endParaRPr lang="en-IN"/>
           </a:p>
@@ -11640,7 +11640,7 @@
             <a:fld id="{D68DDC2B-2B06-4692-8F64-8F19407327E9}" type="datetimeFigureOut">
               <a:rPr lang="en-US" smtClean="0"/>
               <a:pPr/>
-              <a:t>11/5/20</a:t>
+              <a:t>9/8/22</a:t>
             </a:fld>
             <a:endParaRPr lang="en-IN"/>
           </a:p>
@@ -12993,8 +12993,8 @@
           <a:lstStyle/>
           <a:p>
             <a:r>
-              <a:rPr lang="en-US" sz="7200"/>
-              <a:t>Angular6</a:t>
+              <a:rPr lang="en-US" sz="7200" dirty="0"/>
+              <a:t>Angular</a:t>
             </a:r>
             <a:endParaRPr lang="en-IN" sz="7200" dirty="0"/>
           </a:p>
@@ -39355,6 +39355,49 @@
           </a:p>
         </p:txBody>
       </p:sp>
+      <p:sp>
+        <p:nvSpPr>
+          <p:cNvPr id="7" name="TextBox 6">
+            <a:extLst>
+              <a:ext uri="{FF2B5EF4-FFF2-40B4-BE49-F238E27FC236}">
+                <a16:creationId xmlns:a16="http://schemas.microsoft.com/office/drawing/2014/main" id="{C042C66B-193A-DB5F-1C00-847B85FB14FA}"/>
+              </a:ext>
+            </a:extLst>
+          </p:cNvPr>
+          <p:cNvSpPr txBox="1"/>
+          <p:nvPr/>
+        </p:nvSpPr>
+        <p:spPr>
+          <a:xfrm>
+            <a:off x="2213992" y="4869160"/>
+            <a:ext cx="4572000" cy="1200329"/>
+          </a:xfrm>
+          <a:prstGeom prst="rect">
+            <a:avLst/>
+          </a:prstGeom>
+          <a:noFill/>
+        </p:spPr>
+        <p:txBody>
+          <a:bodyPr wrap="square">
+            <a:spAutoFit/>
+          </a:bodyPr>
+          <a:lstStyle/>
+          <a:p>
+            <a:r>
+              <a:rPr lang="en-US" dirty="0"/>
+              <a:t>https://</a:t>
+            </a:r>
+            <a:r>
+              <a:rPr lang="en-US" dirty="0" err="1"/>
+              <a:t>medium.com</a:t>
+            </a:r>
+            <a:r>
+              <a:rPr lang="en-US" dirty="0"/>
+              <a:t>/@icbrewery007/angular-routing-parameters-required-param-optional-param-queryparam-navigationextras-41844af5a6eb</a:t>
+            </a:r>
+          </a:p>
+        </p:txBody>
+      </p:sp>
     </p:spTree>
     <p:extLst>
       <p:ext uri="{BB962C8B-B14F-4D97-AF65-F5344CB8AC3E}">
